--- a/exercicio2.pptx
+++ b/exercicio2.pptx
@@ -108,6 +108,11 @@
       </a:defRPr>
     </a:lvl9pPr>
   </p:defaultTextStyle>
+  <p:extLst>
+    <p:ext uri="{EFAFB233-063F-42B5-8137-9DF3F51BA10A}">
+      <p15:sldGuideLst xmlns:p15="http://schemas.microsoft.com/office/powerpoint/2012/main"/>
+    </p:ext>
+  </p:extLst>
 </p:presentation>
 </file>
 
@@ -3764,6 +3769,17 @@
           <a:bodyPr/>
           <a:lstStyle/>
           <a:p>
+            <a:pPr marL="0" indent="0" algn="ctr">
+              <a:buNone/>
+            </a:pPr>
+            <a:r>
+              <a:rPr lang="pt-PT" dirty="0" smtClean="0"/>
+              <a:t>O </a:t>
+            </a:r>
+            <a:r>
+              <a:rPr lang="pt-PT" dirty="0"/>
+              <a:t>verão é fantástico para desfrutar das praias de Portugal, principalmente no Algarve</a:t>
+            </a:r>
             <a:endParaRPr lang="pt-PT" dirty="0"/>
           </a:p>
         </p:txBody>
@@ -3885,6 +3901,46 @@
                             </p:childTnLst>
                           </p:cTn>
                         </p:par>
+                        <p:par>
+                          <p:cTn id="10" fill="hold">
+                            <p:stCondLst>
+                              <p:cond delay="1000"/>
+                            </p:stCondLst>
+                            <p:childTnLst>
+                              <p:par>
+                                <p:cTn id="11" presetID="1" presetClass="entr" presetSubtype="0" fill="hold" grpId="0" nodeType="afterEffect">
+                                  <p:stCondLst>
+                                    <p:cond delay="0"/>
+                                  </p:stCondLst>
+                                  <p:childTnLst>
+                                    <p:set>
+                                      <p:cBhvr>
+                                        <p:cTn id="12" dur="1" fill="hold">
+                                          <p:stCondLst>
+                                            <p:cond delay="0"/>
+                                          </p:stCondLst>
+                                        </p:cTn>
+                                        <p:tgtEl>
+                                          <p:spTgt spid="5">
+                                            <p:txEl>
+                                              <p:pRg st="0" end="0"/>
+                                            </p:txEl>
+                                          </p:spTgt>
+                                        </p:tgtEl>
+                                        <p:attrNameLst>
+                                          <p:attrName>style.visibility</p:attrName>
+                                        </p:attrNameLst>
+                                      </p:cBhvr>
+                                      <p:to>
+                                        <p:strVal val="visible"/>
+                                      </p:to>
+                                    </p:set>
+                                  </p:childTnLst>
+                                </p:cTn>
+                              </p:par>
+                            </p:childTnLst>
+                          </p:cTn>
+                        </p:par>
                       </p:childTnLst>
                     </p:cTn>
                   </p:par>
@@ -3911,6 +3967,7 @@
     </p:tnLst>
     <p:bldLst>
       <p:bldP spid="4" grpId="0"/>
+      <p:bldP spid="5" grpId="0" build="p"/>
     </p:bldLst>
   </p:timing>
 </p:sld>
